--- a/Presentation/Template_en.pptx
+++ b/Presentation/Template_en.pptx
@@ -24,6 +24,7 @@
     <p:sldId id="278" r:id="rId18"/>
     <p:sldId id="279" r:id="rId19"/>
     <p:sldId id="280" r:id="rId20"/>
+    <p:sldId id="281" r:id="rId21"/>
   </p:sldIdLst>
   <p:sldSz cx="12192000" cy="6858000"/>
   <p:notesSz cx="6858000" cy="9144000"/>
@@ -13314,6 +13315,56 @@
             </a:r>
             <a:endParaRPr lang="pt-BR" dirty="0"/>
           </a:p>
+          <a:p>
+            <a:r>
+              <a:rPr lang="pt-BR" dirty="0" err="1"/>
+              <a:t>Should</a:t>
+            </a:r>
+            <a:r>
+              <a:rPr lang="pt-BR" dirty="0"/>
+              <a:t> </a:t>
+            </a:r>
+            <a:r>
+              <a:rPr lang="pt-BR" dirty="0" err="1"/>
+              <a:t>be</a:t>
+            </a:r>
+            <a:r>
+              <a:rPr lang="pt-BR" dirty="0"/>
+              <a:t> </a:t>
+            </a:r>
+            <a:r>
+              <a:rPr lang="pt-BR" dirty="0" err="1"/>
+              <a:t>indepent</a:t>
+            </a:r>
+            <a:r>
+              <a:rPr lang="pt-BR" dirty="0"/>
+              <a:t> </a:t>
+            </a:r>
+            <a:r>
+              <a:rPr lang="pt-BR" dirty="0" err="1"/>
+              <a:t>of</a:t>
+            </a:r>
+            <a:r>
+              <a:rPr lang="pt-BR" dirty="0"/>
+              <a:t> Project </a:t>
+            </a:r>
+            <a:r>
+              <a:rPr lang="pt-BR" dirty="0" err="1"/>
+              <a:t>class</a:t>
+            </a:r>
+            <a:r>
+              <a:rPr lang="pt-BR" dirty="0"/>
+              <a:t> </a:t>
+            </a:r>
+            <a:r>
+              <a:rPr lang="pt-BR" dirty="0" err="1"/>
+              <a:t>and</a:t>
+            </a:r>
+            <a:r>
+              <a:rPr lang="pt-BR" dirty="0"/>
+              <a:t> interfaces</a:t>
+            </a:r>
+          </a:p>
         </p:txBody>
       </p:sp>
     </p:spTree>
@@ -14418,6 +14469,627 @@
     <p:extLst>
       <p:ext uri="{BB962C8B-B14F-4D97-AF65-F5344CB8AC3E}">
         <p14:creationId xmlns:p14="http://schemas.microsoft.com/office/powerpoint/2010/main" val="2574523347"/>
+      </p:ext>
+    </p:extLst>
+  </p:cSld>
+  <p:clrMapOvr>
+    <a:masterClrMapping/>
+  </p:clrMapOvr>
+</p:sld>
+</file>
+
+<file path=ppt/slides/slide20.xml><?xml version="1.0" encoding="utf-8"?>
+<p:sld xmlns:a="http://schemas.openxmlformats.org/drawingml/2006/main" xmlns:r="http://schemas.openxmlformats.org/officeDocument/2006/relationships" xmlns:p="http://schemas.openxmlformats.org/presentationml/2006/main">
+  <p:cSld>
+    <p:bg>
+      <p:bgPr>
+        <a:solidFill>
+          <a:schemeClr val="bg1"/>
+        </a:solidFill>
+        <a:effectLst/>
+      </p:bgPr>
+    </p:bg>
+    <p:spTree>
+      <p:nvGrpSpPr>
+        <p:cNvPr id="1" name=""/>
+        <p:cNvGrpSpPr/>
+        <p:nvPr/>
+      </p:nvGrpSpPr>
+      <p:grpSpPr>
+        <a:xfrm>
+          <a:off x="0" y="0"/>
+          <a:ext cx="0" cy="0"/>
+          <a:chOff x="0" y="0"/>
+          <a:chExt cx="0" cy="0"/>
+        </a:xfrm>
+      </p:grpSpPr>
+      <p:grpSp>
+        <p:nvGrpSpPr>
+          <p:cNvPr id="57" name="Group 56">
+            <a:extLst>
+              <a:ext uri="{FF2B5EF4-FFF2-40B4-BE49-F238E27FC236}">
+                <a16:creationId xmlns:a16="http://schemas.microsoft.com/office/drawing/2014/main" id="{749C117F-F390-437B-ADB0-57E87EFF34F5}"/>
+              </a:ext>
+              <a:ext uri="{C183D7F6-B498-43B3-948B-1728B52AA6E4}">
+                <adec:decorative xmlns:adec="http://schemas.microsoft.com/office/drawing/2017/decorative" val="1"/>
+              </a:ext>
+            </a:extLst>
+          </p:cNvPr>
+          <p:cNvGrpSpPr>
+            <a:grpSpLocks noGrp="1" noUngrp="1" noRot="1" noChangeAspect="1" noMove="1" noResize="1"/>
+          </p:cNvGrpSpPr>
+          <p:nvPr>
+            <p:extLst>
+              <p:ext uri="{386F3935-93C4-4BCD-93E2-E3B085C9AB24}">
+                <p16:designElem xmlns:p16="http://schemas.microsoft.com/office/powerpoint/2015/main" val="1"/>
+              </p:ext>
+            </p:extLst>
+          </p:nvPr>
+        </p:nvGrpSpPr>
+        <p:grpSpPr>
+          <a:xfrm>
+            <a:off x="-16934" y="0"/>
+            <a:ext cx="12231160" cy="6856214"/>
+            <a:chOff x="-16934" y="0"/>
+            <a:chExt cx="12231160" cy="6856214"/>
+          </a:xfrm>
+        </p:grpSpPr>
+        <p:pic>
+          <p:nvPicPr>
+            <p:cNvPr id="58" name="Picture 57">
+              <a:extLst>
+                <a:ext uri="{FF2B5EF4-FFF2-40B4-BE49-F238E27FC236}">
+                  <a16:creationId xmlns:a16="http://schemas.microsoft.com/office/drawing/2014/main" id="{A7EF42F8-2417-49A6-95CE-DE9503B0AA66}"/>
+                </a:ext>
+                <a:ext uri="{C183D7F6-B498-43B3-948B-1728B52AA6E4}">
+                  <adec:decorative xmlns:adec="http://schemas.microsoft.com/office/drawing/2017/decorative" val="1"/>
+                </a:ext>
+              </a:extLst>
+            </p:cNvPr>
+            <p:cNvPicPr>
+              <a:picLocks noChangeAspect="1"/>
+            </p:cNvPicPr>
+            <p:nvPr>
+              <p:extLst>
+                <p:ext uri="{386F3935-93C4-4BCD-93E2-E3B085C9AB24}">
+                  <p16:designElem xmlns:p16="http://schemas.microsoft.com/office/powerpoint/2015/main" val="1"/>
+                </p:ext>
+              </p:extLst>
+            </p:nvPr>
+          </p:nvPicPr>
+          <p:blipFill>
+            <a:blip r:embed="rId2">
+              <a:extLst>
+                <a:ext uri="{28A0092B-C50C-407E-A947-70E740481C1C}">
+                  <a14:useLocalDpi xmlns:a14="http://schemas.microsoft.com/office/drawing/2010/main" val="0"/>
+                </a:ext>
+              </a:extLst>
+            </a:blip>
+            <a:stretch>
+              <a:fillRect/>
+            </a:stretch>
+          </p:blipFill>
+          <p:spPr>
+            <a:xfrm>
+              <a:off x="0" y="0"/>
+              <a:ext cx="12188825" cy="6856214"/>
+            </a:xfrm>
+            <a:prstGeom prst="rect">
+              <a:avLst/>
+            </a:prstGeom>
+          </p:spPr>
+        </p:pic>
+        <p:sp>
+          <p:nvSpPr>
+            <p:cNvPr id="59" name="Rectangle 58">
+              <a:extLst>
+                <a:ext uri="{FF2B5EF4-FFF2-40B4-BE49-F238E27FC236}">
+                  <a16:creationId xmlns:a16="http://schemas.microsoft.com/office/drawing/2014/main" id="{AC6F623B-2003-4AED-B02F-541A150EC143}"/>
+                </a:ext>
+                <a:ext uri="{C183D7F6-B498-43B3-948B-1728B52AA6E4}">
+                  <adec:decorative xmlns:adec="http://schemas.microsoft.com/office/drawing/2017/decorative" val="1"/>
+                </a:ext>
+              </a:extLst>
+            </p:cNvPr>
+            <p:cNvSpPr/>
+            <p:nvPr>
+              <p:extLst>
+                <p:ext uri="{386F3935-93C4-4BCD-93E2-E3B085C9AB24}">
+                  <p16:designElem xmlns:p16="http://schemas.microsoft.com/office/powerpoint/2015/main" val="1"/>
+                </p:ext>
+              </p:extLst>
+            </p:nvPr>
+          </p:nvSpPr>
+          <p:spPr>
+            <a:xfrm>
+              <a:off x="2328332" y="1540931"/>
+              <a:ext cx="7543802" cy="3835401"/>
+            </a:xfrm>
+            <a:prstGeom prst="rect">
+              <a:avLst/>
+            </a:prstGeom>
+            <a:noFill/>
+            <a:ln w="15875">
+              <a:miter lim="800000"/>
+            </a:ln>
+          </p:spPr>
+          <p:style>
+            <a:lnRef idx="1">
+              <a:schemeClr val="accent1"/>
+            </a:lnRef>
+            <a:fillRef idx="3">
+              <a:schemeClr val="accent1"/>
+            </a:fillRef>
+            <a:effectRef idx="2">
+              <a:schemeClr val="accent1"/>
+            </a:effectRef>
+            <a:fontRef idx="minor">
+              <a:schemeClr val="lt1"/>
+            </a:fontRef>
+          </p:style>
+        </p:sp>
+        <p:pic>
+          <p:nvPicPr>
+            <p:cNvPr id="60" name="Picture 59">
+              <a:extLst>
+                <a:ext uri="{FF2B5EF4-FFF2-40B4-BE49-F238E27FC236}">
+                  <a16:creationId xmlns:a16="http://schemas.microsoft.com/office/drawing/2014/main" id="{CD11837A-4F3D-419F-ACE2-E80B1EA2846F}"/>
+                </a:ext>
+                <a:ext uri="{C183D7F6-B498-43B3-948B-1728B52AA6E4}">
+                  <adec:decorative xmlns:adec="http://schemas.microsoft.com/office/drawing/2017/decorative" val="1"/>
+                </a:ext>
+              </a:extLst>
+            </p:cNvPr>
+            <p:cNvPicPr>
+              <a:picLocks noChangeAspect="1"/>
+            </p:cNvPicPr>
+            <p:nvPr>
+              <p:extLst>
+                <p:ext uri="{386F3935-93C4-4BCD-93E2-E3B085C9AB24}">
+                  <p16:designElem xmlns:p16="http://schemas.microsoft.com/office/powerpoint/2015/main" val="1"/>
+                </p:ext>
+              </p:extLst>
+            </p:nvPr>
+          </p:nvPicPr>
+          <p:blipFill rotWithShape="1">
+            <a:blip r:embed="rId3">
+              <a:extLst>
+                <a:ext uri="{28A0092B-C50C-407E-A947-70E740481C1C}">
+                  <a14:useLocalDpi xmlns:a14="http://schemas.microsoft.com/office/drawing/2010/main" val="0"/>
+                </a:ext>
+              </a:extLst>
+            </a:blip>
+            <a:srcRect/>
+            <a:stretch/>
+          </p:blipFill>
+          <p:spPr>
+            <a:xfrm>
+              <a:off x="-16934" y="3147609"/>
+              <a:ext cx="2478024" cy="612648"/>
+            </a:xfrm>
+            <a:prstGeom prst="rect">
+              <a:avLst/>
+            </a:prstGeom>
+          </p:spPr>
+        </p:pic>
+        <p:pic>
+          <p:nvPicPr>
+            <p:cNvPr id="61" name="Picture 60">
+              <a:extLst>
+                <a:ext uri="{FF2B5EF4-FFF2-40B4-BE49-F238E27FC236}">
+                  <a16:creationId xmlns:a16="http://schemas.microsoft.com/office/drawing/2014/main" id="{B9411D1A-7E2C-4A36-BE32-BF7A8E130723}"/>
+                </a:ext>
+                <a:ext uri="{C183D7F6-B498-43B3-948B-1728B52AA6E4}">
+                  <adec:decorative xmlns:adec="http://schemas.microsoft.com/office/drawing/2017/decorative" val="1"/>
+                </a:ext>
+              </a:extLst>
+            </p:cNvPr>
+            <p:cNvPicPr>
+              <a:picLocks noChangeAspect="1"/>
+            </p:cNvPicPr>
+            <p:nvPr>
+              <p:extLst>
+                <p:ext uri="{386F3935-93C4-4BCD-93E2-E3B085C9AB24}">
+                  <p16:designElem xmlns:p16="http://schemas.microsoft.com/office/powerpoint/2015/main" val="1"/>
+                </p:ext>
+              </p:extLst>
+            </p:nvPr>
+          </p:nvPicPr>
+          <p:blipFill rotWithShape="1">
+            <a:blip r:embed="rId3">
+              <a:extLst>
+                <a:ext uri="{28A0092B-C50C-407E-A947-70E740481C1C}">
+                  <a14:useLocalDpi xmlns:a14="http://schemas.microsoft.com/office/drawing/2010/main" val="0"/>
+                </a:ext>
+              </a:extLst>
+            </a:blip>
+            <a:srcRect/>
+            <a:stretch/>
+          </p:blipFill>
+          <p:spPr>
+            <a:xfrm>
+              <a:off x="9736202" y="3147609"/>
+              <a:ext cx="2478024" cy="612648"/>
+            </a:xfrm>
+            <a:prstGeom prst="rect">
+              <a:avLst/>
+            </a:prstGeom>
+          </p:spPr>
+        </p:pic>
+      </p:grpSp>
+      <p:cxnSp>
+        <p:nvCxnSpPr>
+          <p:cNvPr id="63" name="Straight Connector 62">
+            <a:extLst>
+              <a:ext uri="{FF2B5EF4-FFF2-40B4-BE49-F238E27FC236}">
+                <a16:creationId xmlns:a16="http://schemas.microsoft.com/office/drawing/2014/main" id="{20742BC3-654B-4E41-9A6A-73A42E477639}"/>
+              </a:ext>
+              <a:ext uri="{C183D7F6-B498-43B3-948B-1728B52AA6E4}">
+                <adec:decorative xmlns:adec="http://schemas.microsoft.com/office/drawing/2017/decorative" val="1"/>
+              </a:ext>
+            </a:extLst>
+          </p:cNvPr>
+          <p:cNvCxnSpPr>
+            <a:cxnSpLocks noGrp="1" noRot="1" noChangeAspect="1" noMove="1" noResize="1" noEditPoints="1" noAdjustHandles="1" noChangeArrowheads="1" noChangeShapeType="1"/>
+          </p:cNvCxnSpPr>
+          <p:nvPr>
+            <p:extLst>
+              <p:ext uri="{386F3935-93C4-4BCD-93E2-E3B085C9AB24}">
+                <p16:designElem xmlns:p16="http://schemas.microsoft.com/office/powerpoint/2015/main" val="1"/>
+              </p:ext>
+            </p:extLst>
+          </p:nvPr>
+        </p:nvCxnSpPr>
+        <p:spPr>
+          <a:xfrm>
+            <a:off x="2692399" y="3522131"/>
+            <a:ext cx="6815668" cy="0"/>
+          </a:xfrm>
+          <a:prstGeom prst="line">
+            <a:avLst/>
+          </a:prstGeom>
+        </p:spPr>
+        <p:style>
+          <a:lnRef idx="2">
+            <a:schemeClr val="accent1"/>
+          </a:lnRef>
+          <a:fillRef idx="0">
+            <a:schemeClr val="accent1"/>
+          </a:fillRef>
+          <a:effectRef idx="1">
+            <a:schemeClr val="accent1"/>
+          </a:effectRef>
+          <a:fontRef idx="minor">
+            <a:schemeClr val="tx1"/>
+          </a:fontRef>
+        </p:style>
+      </p:cxnSp>
+      <p:sp>
+        <p:nvSpPr>
+          <p:cNvPr id="65" name="Rectangle 64">
+            <a:extLst>
+              <a:ext uri="{FF2B5EF4-FFF2-40B4-BE49-F238E27FC236}">
+                <a16:creationId xmlns:a16="http://schemas.microsoft.com/office/drawing/2014/main" id="{1CD07172-CD61-45EB-BEE3-F644503E5C8A}"/>
+              </a:ext>
+              <a:ext uri="{C183D7F6-B498-43B3-948B-1728B52AA6E4}">
+                <adec:decorative xmlns:adec="http://schemas.microsoft.com/office/drawing/2017/decorative" val="1"/>
+              </a:ext>
+            </a:extLst>
+          </p:cNvPr>
+          <p:cNvSpPr>
+            <a:spLocks noGrp="1" noRot="1" noChangeAspect="1" noMove="1" noResize="1" noEditPoints="1" noAdjustHandles="1" noChangeArrowheads="1" noChangeShapeType="1" noTextEdit="1"/>
+          </p:cNvSpPr>
+          <p:nvPr>
+            <p:extLst>
+              <p:ext uri="{386F3935-93C4-4BCD-93E2-E3B085C9AB24}">
+                <p16:designElem xmlns:p16="http://schemas.microsoft.com/office/powerpoint/2015/main" val="1"/>
+              </p:ext>
+            </p:extLst>
+          </p:nvPr>
+        </p:nvSpPr>
+        <p:spPr>
+          <a:xfrm>
+            <a:off x="0" y="2"/>
+            <a:ext cx="12188952" cy="6858000"/>
+          </a:xfrm>
+          <a:prstGeom prst="rect">
+            <a:avLst/>
+          </a:prstGeom>
+          <a:ln>
+            <a:noFill/>
+          </a:ln>
+        </p:spPr>
+        <p:style>
+          <a:lnRef idx="2">
+            <a:schemeClr val="accent1">
+              <a:shade val="50000"/>
+            </a:schemeClr>
+          </a:lnRef>
+          <a:fillRef idx="1003">
+            <a:schemeClr val="lt1"/>
+          </a:fillRef>
+          <a:effectRef idx="0">
+            <a:schemeClr val="accent1"/>
+          </a:effectRef>
+          <a:fontRef idx="minor">
+            <a:schemeClr val="lt1"/>
+          </a:fontRef>
+        </p:style>
+        <p:txBody>
+          <a:bodyPr rtlCol="0" anchor="ctr"/>
+          <a:lstStyle/>
+          <a:p>
+            <a:pPr algn="ctr"/>
+            <a:endParaRPr lang="en-US"/>
+          </a:p>
+        </p:txBody>
+      </p:sp>
+      <p:sp>
+        <p:nvSpPr>
+          <p:cNvPr id="67" name="Rectangle 66">
+            <a:extLst>
+              <a:ext uri="{FF2B5EF4-FFF2-40B4-BE49-F238E27FC236}">
+                <a16:creationId xmlns:a16="http://schemas.microsoft.com/office/drawing/2014/main" id="{1EADA5DB-ED12-413A-AAB5-6A8D1152E6C4}"/>
+              </a:ext>
+              <a:ext uri="{C183D7F6-B498-43B3-948B-1728B52AA6E4}">
+                <adec:decorative xmlns:adec="http://schemas.microsoft.com/office/drawing/2017/decorative" val="1"/>
+              </a:ext>
+            </a:extLst>
+          </p:cNvPr>
+          <p:cNvSpPr>
+            <a:spLocks noGrp="1" noRot="1" noChangeAspect="1" noMove="1" noResize="1" noEditPoints="1" noAdjustHandles="1" noChangeArrowheads="1" noChangeShapeType="1" noTextEdit="1"/>
+          </p:cNvSpPr>
+          <p:nvPr>
+            <p:extLst>
+              <p:ext uri="{386F3935-93C4-4BCD-93E2-E3B085C9AB24}">
+                <p16:designElem xmlns:p16="http://schemas.microsoft.com/office/powerpoint/2015/main" val="1"/>
+              </p:ext>
+            </p:extLst>
+          </p:nvPr>
+        </p:nvSpPr>
+        <p:spPr>
+          <a:xfrm>
+            <a:off x="486138" y="496090"/>
+            <a:ext cx="3823215" cy="5883295"/>
+          </a:xfrm>
+          <a:prstGeom prst="rect">
+            <a:avLst/>
+          </a:prstGeom>
+          <a:blipFill dpi="0" rotWithShape="1">
+            <a:blip r:embed="rId4"/>
+            <a:srcRect/>
+            <a:tile tx="0" ty="0" sx="100000" sy="100000" flip="none" algn="tl"/>
+          </a:blipFill>
+          <a:ln>
+            <a:noFill/>
+          </a:ln>
+          <a:effectLst>
+            <a:outerShdw blurRad="114300" dist="127000" dir="5400000" sx="99000" sy="99000" algn="t" rotWithShape="0">
+              <a:prstClr val="black">
+                <a:alpha val="40000"/>
+              </a:prstClr>
+            </a:outerShdw>
+          </a:effectLst>
+          <a:scene3d>
+            <a:camera prst="orthographicFront"/>
+            <a:lightRig rig="twoPt" dir="t"/>
+          </a:scene3d>
+          <a:sp3d contourW="6350">
+            <a:bevelT w="12700" h="0" prst="coolSlant"/>
+            <a:contourClr>
+              <a:schemeClr val="bg2"/>
+            </a:contourClr>
+          </a:sp3d>
+        </p:spPr>
+        <p:style>
+          <a:lnRef idx="2">
+            <a:schemeClr val="accent1">
+              <a:shade val="50000"/>
+            </a:schemeClr>
+          </a:lnRef>
+          <a:fillRef idx="1">
+            <a:schemeClr val="accent1"/>
+          </a:fillRef>
+          <a:effectRef idx="0">
+            <a:schemeClr val="accent1"/>
+          </a:effectRef>
+          <a:fontRef idx="minor">
+            <a:schemeClr val="lt1"/>
+          </a:fontRef>
+        </p:style>
+        <p:txBody>
+          <a:bodyPr rtlCol="0" anchor="ctr"/>
+          <a:lstStyle/>
+          <a:p>
+            <a:pPr algn="ctr"/>
+            <a:endParaRPr lang="en-US"/>
+          </a:p>
+        </p:txBody>
+      </p:sp>
+      <p:sp>
+        <p:nvSpPr>
+          <p:cNvPr id="69" name="Rectangle 68">
+            <a:extLst>
+              <a:ext uri="{FF2B5EF4-FFF2-40B4-BE49-F238E27FC236}">
+                <a16:creationId xmlns:a16="http://schemas.microsoft.com/office/drawing/2014/main" id="{8BA45E5C-ACB9-49E8-B4DB-5255C2376673}"/>
+              </a:ext>
+              <a:ext uri="{C183D7F6-B498-43B3-948B-1728B52AA6E4}">
+                <adec:decorative xmlns:adec="http://schemas.microsoft.com/office/drawing/2017/decorative" val="1"/>
+              </a:ext>
+            </a:extLst>
+          </p:cNvPr>
+          <p:cNvSpPr>
+            <a:spLocks noGrp="1" noRot="1" noChangeAspect="1" noMove="1" noResize="1" noEditPoints="1" noAdjustHandles="1" noChangeArrowheads="1" noChangeShapeType="1" noTextEdit="1"/>
+          </p:cNvSpPr>
+          <p:nvPr>
+            <p:extLst>
+              <p:ext uri="{386F3935-93C4-4BCD-93E2-E3B085C9AB24}">
+                <p16:designElem xmlns:p16="http://schemas.microsoft.com/office/powerpoint/2015/main" val="1"/>
+              </p:ext>
+            </p:extLst>
+          </p:nvPr>
+        </p:nvSpPr>
+        <p:spPr>
+          <a:xfrm>
+            <a:off x="608012" y="609602"/>
+            <a:ext cx="3552006" cy="5638800"/>
+          </a:xfrm>
+          <a:prstGeom prst="rect">
+            <a:avLst/>
+          </a:prstGeom>
+          <a:noFill/>
+          <a:ln w="15875" cap="flat">
+            <a:miter lim="800000"/>
+          </a:ln>
+        </p:spPr>
+        <p:style>
+          <a:lnRef idx="1">
+            <a:schemeClr val="accent1"/>
+          </a:lnRef>
+          <a:fillRef idx="3">
+            <a:schemeClr val="accent1"/>
+          </a:fillRef>
+          <a:effectRef idx="2">
+            <a:schemeClr val="accent1"/>
+          </a:effectRef>
+          <a:fontRef idx="minor">
+            <a:schemeClr val="lt1"/>
+          </a:fontRef>
+        </p:style>
+      </p:sp>
+      <p:sp>
+        <p:nvSpPr>
+          <p:cNvPr id="2" name="Título 1">
+            <a:extLst>
+              <a:ext uri="{FF2B5EF4-FFF2-40B4-BE49-F238E27FC236}">
+                <a16:creationId xmlns:a16="http://schemas.microsoft.com/office/drawing/2014/main" id="{743D87BD-4EDB-A4A6-653A-1EEBB6E5E107}"/>
+              </a:ext>
+            </a:extLst>
+          </p:cNvPr>
+          <p:cNvSpPr>
+            <a:spLocks noGrp="1"/>
+          </p:cNvSpPr>
+          <p:nvPr>
+            <p:ph type="title"/>
+          </p:nvPr>
+        </p:nvSpPr>
+        <p:spPr>
+          <a:xfrm>
+            <a:off x="826852" y="872061"/>
+            <a:ext cx="3073940" cy="3436688"/>
+          </a:xfrm>
+        </p:spPr>
+        <p:txBody>
+          <a:bodyPr vert="horz" lIns="91440" tIns="45720" rIns="91440" bIns="45720" rtlCol="0" anchor="b">
+            <a:normAutofit/>
+          </a:bodyPr>
+          <a:lstStyle/>
+          <a:p>
+            <a:r>
+              <a:rPr lang="en-US" sz="4400">
+                <a:solidFill>
+                  <a:srgbClr val="262626"/>
+                </a:solidFill>
+              </a:rPr>
+              <a:t>TemplateApi Structure</a:t>
+            </a:r>
+          </a:p>
+        </p:txBody>
+      </p:sp>
+      <p:sp useBgFill="1">
+        <p:nvSpPr>
+          <p:cNvPr id="71" name="Rectangle 70">
+            <a:extLst>
+              <a:ext uri="{FF2B5EF4-FFF2-40B4-BE49-F238E27FC236}">
+                <a16:creationId xmlns:a16="http://schemas.microsoft.com/office/drawing/2014/main" id="{857E618C-1D7B-4A51-90C1-6106CD8A1AE7}"/>
+              </a:ext>
+              <a:ext uri="{C183D7F6-B498-43B3-948B-1728B52AA6E4}">
+                <adec:decorative xmlns:adec="http://schemas.microsoft.com/office/drawing/2017/decorative" val="1"/>
+              </a:ext>
+            </a:extLst>
+          </p:cNvPr>
+          <p:cNvSpPr>
+            <a:spLocks noGrp="1" noRot="1" noChangeAspect="1" noMove="1" noResize="1" noEditPoints="1" noAdjustHandles="1" noChangeArrowheads="1" noChangeShapeType="1" noTextEdit="1"/>
+          </p:cNvSpPr>
+          <p:nvPr>
+            <p:extLst>
+              <p:ext uri="{386F3935-93C4-4BCD-93E2-E3B085C9AB24}">
+                <p16:designElem xmlns:p16="http://schemas.microsoft.com/office/powerpoint/2015/main" val="1"/>
+              </p:ext>
+            </p:extLst>
+          </p:nvPr>
+        </p:nvSpPr>
+        <p:spPr>
+          <a:xfrm>
+            <a:off x="4795491" y="0"/>
+            <a:ext cx="7396509" cy="6858002"/>
+          </a:xfrm>
+          <a:prstGeom prst="rect">
+            <a:avLst/>
+          </a:prstGeom>
+          <a:ln>
+            <a:noFill/>
+          </a:ln>
+        </p:spPr>
+        <p:style>
+          <a:lnRef idx="2">
+            <a:schemeClr val="accent1">
+              <a:shade val="50000"/>
+            </a:schemeClr>
+          </a:lnRef>
+          <a:fillRef idx="1">
+            <a:schemeClr val="accent1"/>
+          </a:fillRef>
+          <a:effectRef idx="0">
+            <a:schemeClr val="accent1"/>
+          </a:effectRef>
+          <a:fontRef idx="minor">
+            <a:schemeClr val="lt1"/>
+          </a:fontRef>
+        </p:style>
+        <p:txBody>
+          <a:bodyPr rtlCol="0" anchor="ctr"/>
+          <a:lstStyle/>
+          <a:p>
+            <a:pPr algn="ctr"/>
+            <a:endParaRPr lang="en-US"/>
+          </a:p>
+        </p:txBody>
+      </p:sp>
+      <p:pic>
+        <p:nvPicPr>
+          <p:cNvPr id="6" name="Espaço Reservado para Conteúdo 5" descr="Texto&#10;&#10;Descrição gerada automaticamente">
+            <a:extLst>
+              <a:ext uri="{FF2B5EF4-FFF2-40B4-BE49-F238E27FC236}">
+                <a16:creationId xmlns:a16="http://schemas.microsoft.com/office/drawing/2014/main" id="{9672CA77-1CAD-35FB-D74E-8B6F27575D62}"/>
+              </a:ext>
+            </a:extLst>
+          </p:cNvPr>
+          <p:cNvPicPr>
+            <a:picLocks noChangeAspect="1"/>
+          </p:cNvPicPr>
+          <p:nvPr/>
+        </p:nvPicPr>
+        <p:blipFill>
+          <a:blip r:embed="rId5"/>
+          <a:stretch>
+            <a:fillRect/>
+          </a:stretch>
+        </p:blipFill>
+        <p:spPr>
+          <a:xfrm>
+            <a:off x="7108947" y="609602"/>
+            <a:ext cx="2751966" cy="5587749"/>
+          </a:xfrm>
+          <a:prstGeom prst="rect">
+            <a:avLst/>
+          </a:prstGeom>
+        </p:spPr>
+      </p:pic>
+    </p:spTree>
+    <p:extLst>
+      <p:ext uri="{BB962C8B-B14F-4D97-AF65-F5344CB8AC3E}">
+        <p14:creationId xmlns:p14="http://schemas.microsoft.com/office/powerpoint/2010/main" val="3369331111"/>
       </p:ext>
     </p:extLst>
   </p:cSld>

--- a/Presentation/Template_en.pptx
+++ b/Presentation/Template_en.pptx
@@ -3151,7 +3151,7 @@
             <a:fld id="{B61BEF0D-F0BB-DE4B-95CE-6DB70DBA9567}" type="datetimeFigureOut">
               <a:rPr lang="en-US" dirty="0"/>
               <a:pPr/>
-              <a:t>5/23/2022</a:t>
+              <a:t>5/27/2022</a:t>
             </a:fld>
             <a:endParaRPr lang="en-US" dirty="0"/>
           </a:p>
@@ -3472,7 +3472,7 @@
             <a:fld id="{B61BEF0D-F0BB-DE4B-95CE-6DB70DBA9567}" type="datetimeFigureOut">
               <a:rPr lang="en-US" dirty="0"/>
               <a:pPr/>
-              <a:t>5/23/2022</a:t>
+              <a:t>5/27/2022</a:t>
             </a:fld>
             <a:endParaRPr lang="en-US" dirty="0"/>
           </a:p>
@@ -3717,7 +3717,7 @@
             <a:fld id="{B61BEF0D-F0BB-DE4B-95CE-6DB70DBA9567}" type="datetimeFigureOut">
               <a:rPr lang="en-US" dirty="0"/>
               <a:pPr/>
-              <a:t>5/23/2022</a:t>
+              <a:t>5/27/2022</a:t>
             </a:fld>
             <a:endParaRPr lang="en-US" dirty="0"/>
           </a:p>
@@ -4053,7 +4053,7 @@
             <a:fld id="{B61BEF0D-F0BB-DE4B-95CE-6DB70DBA9567}" type="datetimeFigureOut">
               <a:rPr lang="en-US" dirty="0"/>
               <a:pPr/>
-              <a:t>5/23/2022</a:t>
+              <a:t>5/27/2022</a:t>
             </a:fld>
             <a:endParaRPr lang="en-US" dirty="0"/>
           </a:p>
@@ -4397,7 +4397,7 @@
             <a:fld id="{B61BEF0D-F0BB-DE4B-95CE-6DB70DBA9567}" type="datetimeFigureOut">
               <a:rPr lang="en-US" dirty="0"/>
               <a:pPr/>
-              <a:t>5/23/2022</a:t>
+              <a:t>5/27/2022</a:t>
             </a:fld>
             <a:endParaRPr lang="en-US" dirty="0"/>
           </a:p>
@@ -4768,7 +4768,7 @@
             <a:fld id="{B61BEF0D-F0BB-DE4B-95CE-6DB70DBA9567}" type="datetimeFigureOut">
               <a:rPr lang="en-US" dirty="0"/>
               <a:pPr/>
-              <a:t>5/23/2022</a:t>
+              <a:t>5/27/2022</a:t>
             </a:fld>
             <a:endParaRPr lang="en-US" dirty="0"/>
           </a:p>
@@ -5235,7 +5235,7 @@
             <a:fld id="{B61BEF0D-F0BB-DE4B-95CE-6DB70DBA9567}" type="datetimeFigureOut">
               <a:rPr lang="en-US" dirty="0"/>
               <a:pPr/>
-              <a:t>5/23/2022</a:t>
+              <a:t>5/27/2022</a:t>
             </a:fld>
             <a:endParaRPr lang="en-US" dirty="0"/>
           </a:p>
@@ -5437,7 +5437,7 @@
             <a:fld id="{B61BEF0D-F0BB-DE4B-95CE-6DB70DBA9567}" type="datetimeFigureOut">
               <a:rPr lang="en-US" dirty="0"/>
               <a:pPr/>
-              <a:t>5/23/2022</a:t>
+              <a:t>5/27/2022</a:t>
             </a:fld>
             <a:endParaRPr lang="en-US" dirty="0"/>
           </a:p>
@@ -5645,7 +5645,7 @@
             <a:fld id="{B61BEF0D-F0BB-DE4B-95CE-6DB70DBA9567}" type="datetimeFigureOut">
               <a:rPr lang="en-US" dirty="0"/>
               <a:pPr/>
-              <a:t>5/23/2022</a:t>
+              <a:t>5/27/2022</a:t>
             </a:fld>
             <a:endParaRPr lang="en-US" dirty="0"/>
           </a:p>
@@ -5873,7 +5873,7 @@
           <a:p>
             <a:fld id="{52647F38-B617-4D2F-AE0A-013F0C4D2C57}" type="datetimeFigureOut">
               <a:rPr lang="en-US" dirty="0"/>
-              <a:t>5/23/2022</a:t>
+              <a:t>5/27/2022</a:t>
             </a:fld>
             <a:endParaRPr lang="en-US" dirty="0"/>
           </a:p>
@@ -6117,7 +6117,7 @@
             <a:fld id="{B61BEF0D-F0BB-DE4B-95CE-6DB70DBA9567}" type="datetimeFigureOut">
               <a:rPr lang="en-US" dirty="0"/>
               <a:pPr/>
-              <a:t>5/23/2022</a:t>
+              <a:t>5/27/2022</a:t>
             </a:fld>
             <a:endParaRPr lang="en-US" dirty="0"/>
           </a:p>
@@ -6411,7 +6411,7 @@
           <a:p>
             <a:fld id="{05BFA754-D5C3-4E66-96A6-867B257F58DC}" type="datetimeFigureOut">
               <a:rPr lang="en-US" dirty="0"/>
-              <a:t>5/23/2022</a:t>
+              <a:t>5/27/2022</a:t>
             </a:fld>
             <a:endParaRPr lang="en-US" dirty="0"/>
           </a:p>
@@ -6801,7 +6801,7 @@
             <a:fld id="{B61BEF0D-F0BB-DE4B-95CE-6DB70DBA9567}" type="datetimeFigureOut">
               <a:rPr lang="en-US" dirty="0"/>
               <a:pPr/>
-              <a:t>5/23/2022</a:t>
+              <a:t>5/27/2022</a:t>
             </a:fld>
             <a:endParaRPr lang="en-US" dirty="0"/>
           </a:p>
@@ -6947,7 +6947,7 @@
             <a:fld id="{B61BEF0D-F0BB-DE4B-95CE-6DB70DBA9567}" type="datetimeFigureOut">
               <a:rPr lang="en-US" dirty="0"/>
               <a:pPr/>
-              <a:t>5/23/2022</a:t>
+              <a:t>5/27/2022</a:t>
             </a:fld>
             <a:endParaRPr lang="en-US" dirty="0"/>
           </a:p>
@@ -7070,7 +7070,7 @@
             <a:fld id="{B61BEF0D-F0BB-DE4B-95CE-6DB70DBA9567}" type="datetimeFigureOut">
               <a:rPr lang="en-US" dirty="0"/>
               <a:pPr/>
-              <a:t>5/23/2022</a:t>
+              <a:t>5/27/2022</a:t>
             </a:fld>
             <a:endParaRPr lang="en-US" dirty="0"/>
           </a:p>
@@ -7322,7 +7322,7 @@
             <a:fld id="{B61BEF0D-F0BB-DE4B-95CE-6DB70DBA9567}" type="datetimeFigureOut">
               <a:rPr lang="en-US" dirty="0"/>
               <a:pPr/>
-              <a:t>5/23/2022</a:t>
+              <a:t>5/27/2022</a:t>
             </a:fld>
             <a:endParaRPr lang="en-US" dirty="0"/>
           </a:p>
@@ -7634,7 +7634,7 @@
             <a:fld id="{B61BEF0D-F0BB-DE4B-95CE-6DB70DBA9567}" type="datetimeFigureOut">
               <a:rPr lang="en-US" dirty="0"/>
               <a:pPr/>
-              <a:t>5/23/2022</a:t>
+              <a:t>5/27/2022</a:t>
             </a:fld>
             <a:endParaRPr lang="en-US" dirty="0"/>
           </a:p>
@@ -7982,7 +7982,7 @@
             <a:fld id="{B61BEF0D-F0BB-DE4B-95CE-6DB70DBA9567}" type="datetimeFigureOut">
               <a:rPr lang="en-US" dirty="0"/>
               <a:pPr/>
-              <a:t>5/23/2022</a:t>
+              <a:t>5/27/2022</a:t>
             </a:fld>
             <a:endParaRPr lang="en-US" dirty="0"/>
           </a:p>
@@ -11736,36 +11736,6 @@
           </a:prstGeom>
         </p:spPr>
       </p:pic>
-      <p:pic>
-        <p:nvPicPr>
-          <p:cNvPr id="2" name="Picture 1"/>
-          <p:cNvPicPr>
-            <a:picLocks noChangeAspect="1"/>
-          </p:cNvPicPr>
-          <p:nvPr/>
-        </p:nvPicPr>
-        <p:blipFill>
-          <a:blip r:embed="rId4">
-            <a:extLst>
-              <a:ext uri="{28A0092B-C50C-407E-A947-70E740481C1C}">
-                <a14:useLocalDpi xmlns:a14="http://schemas.microsoft.com/office/drawing/2010/main" val="0"/>
-              </a:ext>
-            </a:extLst>
-          </a:blip>
-          <a:stretch>
-            <a:fillRect/>
-          </a:stretch>
-        </p:blipFill>
-        <p:spPr>
-          <a:xfrm>
-            <a:off x="3118390" y="1149305"/>
-            <a:ext cx="5936308" cy="4615479"/>
-          </a:xfrm>
-          <a:prstGeom prst="rect">
-            <a:avLst/>
-          </a:prstGeom>
-        </p:spPr>
-      </p:pic>
       <p:grpSp>
         <p:nvGrpSpPr>
           <p:cNvPr id="28" name="Group 10">
@@ -11917,7 +11887,7 @@
             </p:nvPr>
           </p:nvPicPr>
           <p:blipFill rotWithShape="1">
-            <a:blip r:embed="rId5">
+            <a:blip r:embed="rId4">
               <a:extLst>
                 <a:ext uri="{28A0092B-C50C-407E-A947-70E740481C1C}">
                   <a14:useLocalDpi xmlns:a14="http://schemas.microsoft.com/office/drawing/2010/main" val="0"/>
@@ -12057,7 +12027,7 @@
             </p:nvPr>
           </p:nvPicPr>
           <p:blipFill rotWithShape="1">
-            <a:blip r:embed="rId5">
+            <a:blip r:embed="rId4">
               <a:extLst>
                 <a:ext uri="{28A0092B-C50C-407E-A947-70E740481C1C}">
                   <a14:useLocalDpi xmlns:a14="http://schemas.microsoft.com/office/drawing/2010/main" val="0"/>
@@ -12078,6 +12048,36 @@
           </p:spPr>
         </p:pic>
       </p:grpSp>
+      <p:pic>
+        <p:nvPicPr>
+          <p:cNvPr id="4" name="Imagem 3" descr="Diagrama&#10;&#10;Descrição gerada automaticamente">
+            <a:extLst>
+              <a:ext uri="{FF2B5EF4-FFF2-40B4-BE49-F238E27FC236}">
+                <a16:creationId xmlns:a16="http://schemas.microsoft.com/office/drawing/2014/main" id="{18E6219B-DB91-8E5E-E030-0FE3E41D9000}"/>
+              </a:ext>
+            </a:extLst>
+          </p:cNvPr>
+          <p:cNvPicPr>
+            <a:picLocks noChangeAspect="1"/>
+          </p:cNvPicPr>
+          <p:nvPr/>
+        </p:nvPicPr>
+        <p:blipFill>
+          <a:blip r:embed="rId5"/>
+          <a:stretch>
+            <a:fillRect/>
+          </a:stretch>
+        </p:blipFill>
+        <p:spPr>
+          <a:xfrm>
+            <a:off x="2239348" y="521163"/>
+            <a:ext cx="7781730" cy="5867266"/>
+          </a:xfrm>
+          <a:prstGeom prst="rect">
+            <a:avLst/>
+          </a:prstGeom>
+        </p:spPr>
+      </p:pic>
     </p:spTree>
     <p:extLst>
       <p:ext uri="{BB962C8B-B14F-4D97-AF65-F5344CB8AC3E}">
@@ -14505,7 +14505,7 @@
       </p:grpSpPr>
       <p:grpSp>
         <p:nvGrpSpPr>
-          <p:cNvPr id="57" name="Group 56">
+          <p:cNvPr id="76" name="Group 75">
             <a:extLst>
               <a:ext uri="{FF2B5EF4-FFF2-40B4-BE49-F238E27FC236}">
                 <a16:creationId xmlns:a16="http://schemas.microsoft.com/office/drawing/2014/main" id="{749C117F-F390-437B-ADB0-57E87EFF34F5}"/>
@@ -14536,7 +14536,7 @@
         </p:grpSpPr>
         <p:pic>
           <p:nvPicPr>
-            <p:cNvPr id="58" name="Picture 57">
+            <p:cNvPr id="77" name="Picture 76">
               <a:extLst>
                 <a:ext uri="{FF2B5EF4-FFF2-40B4-BE49-F238E27FC236}">
                   <a16:creationId xmlns:a16="http://schemas.microsoft.com/office/drawing/2014/main" id="{A7EF42F8-2417-49A6-95CE-DE9503B0AA66}"/>
@@ -14581,7 +14581,7 @@
         </p:pic>
         <p:sp>
           <p:nvSpPr>
-            <p:cNvPr id="59" name="Rectangle 58">
+            <p:cNvPr id="78" name="Rectangle 77">
               <a:extLst>
                 <a:ext uri="{FF2B5EF4-FFF2-40B4-BE49-F238E27FC236}">
                   <a16:creationId xmlns:a16="http://schemas.microsoft.com/office/drawing/2014/main" id="{AC6F623B-2003-4AED-B02F-541A150EC143}"/>
@@ -14630,7 +14630,7 @@
         </p:sp>
         <p:pic>
           <p:nvPicPr>
-            <p:cNvPr id="60" name="Picture 59">
+            <p:cNvPr id="79" name="Picture 78">
               <a:extLst>
                 <a:ext uri="{FF2B5EF4-FFF2-40B4-BE49-F238E27FC236}">
                   <a16:creationId xmlns:a16="http://schemas.microsoft.com/office/drawing/2014/main" id="{CD11837A-4F3D-419F-ACE2-E80B1EA2846F}"/>
@@ -14674,7 +14674,7 @@
         </p:pic>
         <p:pic>
           <p:nvPicPr>
-            <p:cNvPr id="61" name="Picture 60">
+            <p:cNvPr id="80" name="Picture 79">
               <a:extLst>
                 <a:ext uri="{FF2B5EF4-FFF2-40B4-BE49-F238E27FC236}">
                   <a16:creationId xmlns:a16="http://schemas.microsoft.com/office/drawing/2014/main" id="{B9411D1A-7E2C-4A36-BE32-BF7A8E130723}"/>
@@ -14719,7 +14719,7 @@
       </p:grpSp>
       <p:cxnSp>
         <p:nvCxnSpPr>
-          <p:cNvPr id="63" name="Straight Connector 62">
+          <p:cNvPr id="82" name="Straight Connector 81">
             <a:extLst>
               <a:ext uri="{FF2B5EF4-FFF2-40B4-BE49-F238E27FC236}">
                 <a16:creationId xmlns:a16="http://schemas.microsoft.com/office/drawing/2014/main" id="{20742BC3-654B-4E41-9A6A-73A42E477639}"/>
@@ -14766,7 +14766,7 @@
       </p:cxnSp>
       <p:sp>
         <p:nvSpPr>
-          <p:cNvPr id="65" name="Rectangle 64">
+          <p:cNvPr id="84" name="Rectangle 83">
             <a:extLst>
               <a:ext uri="{FF2B5EF4-FFF2-40B4-BE49-F238E27FC236}">
                 <a16:creationId xmlns:a16="http://schemas.microsoft.com/office/drawing/2014/main" id="{1CD07172-CD61-45EB-BEE3-F644503E5C8A}"/>
@@ -14826,7 +14826,7 @@
       </p:sp>
       <p:sp>
         <p:nvSpPr>
-          <p:cNvPr id="67" name="Rectangle 66">
+          <p:cNvPr id="86" name="Rectangle 85">
             <a:extLst>
               <a:ext uri="{FF2B5EF4-FFF2-40B4-BE49-F238E27FC236}">
                 <a16:creationId xmlns:a16="http://schemas.microsoft.com/office/drawing/2014/main" id="{1EADA5DB-ED12-413A-AAB5-6A8D1152E6C4}"/>
@@ -14908,7 +14908,7 @@
       </p:sp>
       <p:sp>
         <p:nvSpPr>
-          <p:cNvPr id="69" name="Rectangle 68">
+          <p:cNvPr id="88" name="Rectangle 87">
             <a:extLst>
               <a:ext uri="{FF2B5EF4-FFF2-40B4-BE49-F238E27FC236}">
                 <a16:creationId xmlns:a16="http://schemas.microsoft.com/office/drawing/2014/main" id="{8BA45E5C-ACB9-49E8-B4DB-5255C2376673}"/>
@@ -14998,7 +14998,7 @@
       </p:sp>
       <p:sp useBgFill="1">
         <p:nvSpPr>
-          <p:cNvPr id="71" name="Rectangle 70">
+          <p:cNvPr id="90" name="Rectangle 89">
             <a:extLst>
               <a:ext uri="{FF2B5EF4-FFF2-40B4-BE49-F238E27FC236}">
                 <a16:creationId xmlns:a16="http://schemas.microsoft.com/office/drawing/2014/main" id="{857E618C-1D7B-4A51-90C1-6106CD8A1AE7}"/>
@@ -15058,10 +15058,10 @@
       </p:sp>
       <p:pic>
         <p:nvPicPr>
-          <p:cNvPr id="6" name="Espaço Reservado para Conteúdo 5" descr="Texto&#10;&#10;Descrição gerada automaticamente">
+          <p:cNvPr id="4" name="Imagem 3">
             <a:extLst>
               <a:ext uri="{FF2B5EF4-FFF2-40B4-BE49-F238E27FC236}">
-                <a16:creationId xmlns:a16="http://schemas.microsoft.com/office/drawing/2014/main" id="{9672CA77-1CAD-35FB-D74E-8B6F27575D62}"/>
+                <a16:creationId xmlns:a16="http://schemas.microsoft.com/office/drawing/2014/main" id="{38111224-4006-04A2-2E50-D1D9D4D5C1BE}"/>
               </a:ext>
             </a:extLst>
           </p:cNvPr>
@@ -15078,8 +15078,8 @@
         </p:blipFill>
         <p:spPr>
           <a:xfrm>
-            <a:off x="7108947" y="609602"/>
-            <a:ext cx="2751966" cy="5587749"/>
+            <a:off x="7401801" y="372614"/>
+            <a:ext cx="2228582" cy="6236122"/>
           </a:xfrm>
           <a:prstGeom prst="rect">
             <a:avLst/>
